--- a/데이터과학 발표자료.pptx
+++ b/데이터과학 발표자료.pptx
@@ -2,7 +2,7 @@
 <file path=ppt/presentation.xml><?xml version="1.0" encoding="utf-8"?>
 <p:presentation xmlns:r="http://schemas.openxmlformats.org/officeDocument/2006/relationships" xmlns:c="http://schemas.openxmlformats.org/drawingml/2006/chart" xmlns:a="http://schemas.openxmlformats.org/drawingml/2006/main" xmlns:dgm="http://schemas.openxmlformats.org/drawingml/2006/diagram" xmlns:dsp="http://schemas.microsoft.com/office/drawing/2008/diagram" xmlns:p="http://schemas.openxmlformats.org/presentationml/2006/main">
   <p:sldMasterIdLst>
-    <p:sldMasterId id="2147483665" r:id="rId1"/>
+    <p:sldMasterId id="2147483662" r:id="rId1"/>
   </p:sldMasterIdLst>
   <p:sldIdLst>
     <p:sldId id="256" r:id="rId2"/>
@@ -11750,7 +11750,7 @@
               </a:rPr>
               <a:t>적은 데이터셋</a:t>
             </a:r>
-            <a:endParaRPr lang="en-US" sz="1837" spc="84">
+            <a:endParaRPr lang="en-US" sz="1837" b="1" spc="84">
               <a:solidFill>
                 <a:srgbClr val="222222"/>
               </a:solidFill>
@@ -11835,7 +11835,31 @@
                 <a:cs typeface="210 디딤고딕 Light"/>
                 <a:sym typeface="210 디딤고딕 Light"/>
               </a:rPr>
-              <a:t>적은 데이터셋으로 인해 2개의 분류 모델임에도 불구하고 학습횟수나 Fully Connected 레이어를 증가시킬시 과적합이 발생함   </a:t>
+              <a:t>적은 데이터셋으로 인해 2개의 </a:t>
+            </a:r>
+            <a:r>
+              <a:rPr lang="ko-KR" altLang="en-US" sz="1837" spc="84">
+                <a:solidFill>
+                  <a:srgbClr val="222222"/>
+                </a:solidFill>
+                <a:latin typeface="210 디딤고딕 Light"/>
+                <a:ea typeface="210 디딤고딕 Light"/>
+                <a:cs typeface="210 디딤고딕 Light"/>
+                <a:sym typeface="210 디딤고딕 Light"/>
+              </a:rPr>
+              <a:t>이진</a:t>
+            </a:r>
+            <a:r>
+              <a:rPr lang="en-US" sz="1837" spc="84">
+                <a:solidFill>
+                  <a:srgbClr val="222222"/>
+                </a:solidFill>
+                <a:latin typeface="210 디딤고딕 Light"/>
+                <a:ea typeface="210 디딤고딕 Light"/>
+                <a:cs typeface="210 디딤고딕 Light"/>
+                <a:sym typeface="210 디딤고딕 Light"/>
+              </a:rPr>
+              <a:t>분류 모델임에도 불구하고 학습횟수나 Fully Connected 레이어를 증가시킬시 과적합이 발생함   </a:t>
             </a:r>
             <a:endParaRPr lang="en-US" sz="1837" spc="84">
               <a:solidFill>
@@ -13131,12 +13155,12 @@
 </file>
 
 <file path=ppt/slides/slide3.xml><?xml version="1.0" encoding="utf-8"?>
-<p:sld xmlns:p="http://schemas.openxmlformats.org/presentationml/2006/main" xmlns:a="http://schemas.openxmlformats.org/drawingml/2006/main" xmlns:r="http://schemas.openxmlformats.org/officeDocument/2006/relationships">
+<p:sld xmlns:r="http://schemas.openxmlformats.org/officeDocument/2006/relationships" xmlns:c="http://schemas.openxmlformats.org/drawingml/2006/chart" xmlns:a="http://schemas.openxmlformats.org/drawingml/2006/main" xmlns:dgm="http://schemas.openxmlformats.org/drawingml/2006/diagram" xmlns:dsp="http://schemas.microsoft.com/office/drawing/2008/diagram" xmlns:p="http://schemas.openxmlformats.org/presentationml/2006/main">
   <p:cSld>
     <p:bg>
-      <p:bgPr>
+      <p:bgPr shadeToTitle="0">
         <a:solidFill>
-          <a:srgbClr val="F1F1F1"/>
+          <a:srgbClr val="f1f1f1"/>
         </a:solidFill>
       </p:bgPr>
     </p:bg>
@@ -13156,7 +13180,7 @@
       </p:grpSpPr>
       <p:grpSp>
         <p:nvGrpSpPr>
-          <p:cNvPr name="Group 2" id="2"/>
+          <p:cNvPr id="2" name="Group 2"/>
           <p:cNvGrpSpPr/>
           <p:nvPr/>
         </p:nvGrpSpPr>
@@ -13170,23 +13194,21 @@
         </p:grpSpPr>
         <p:sp>
           <p:nvSpPr>
-            <p:cNvPr name="Freeform 3" id="3"/>
+            <p:cNvPr id="3" name="Freeform 3"/>
             <p:cNvSpPr/>
             <p:nvPr/>
           </p:nvSpPr>
           <p:spPr>
-            <a:xfrm flipH="false" flipV="false" rot="0">
+            <a:xfrm>
               <a:off x="0" y="0"/>
               <a:ext cx="1684413" cy="194148"/>
             </a:xfrm>
             <a:custGeom>
               <a:avLst/>
               <a:gdLst/>
-              <a:ahLst/>
-              <a:cxnLst/>
-              <a:rect r="r" b="b" t="t" l="l"/>
+              <a:rect l="l" t="t" r="r" b="b"/>
               <a:pathLst>
-                <a:path h="194148" w="1684413">
+                <a:path w="1684413" h="194148">
                   <a:moveTo>
                     <a:pt x="0" y="0"/>
                   </a:moveTo>
@@ -13204,14 +13226,23 @@
               </a:pathLst>
             </a:custGeom>
             <a:solidFill>
-              <a:srgbClr val="204AA9"/>
+              <a:srgbClr val="204aa9"/>
             </a:solidFill>
           </p:spPr>
+          <p:txBody>
+            <a:bodyPr anchor="ctr"/>
+            <a:p>
+              <a:pPr algn="ctr">
+                <a:defRPr/>
+              </a:pPr>
+              <a:endParaRPr lang="ko-KR" altLang="en-US"/>
+            </a:p>
+          </p:txBody>
         </p:sp>
         <p:sp>
           <p:nvSpPr>
-            <p:cNvPr name="TextBox 4" id="4"/>
-            <p:cNvSpPr txBox="true"/>
+            <p:cNvPr id="4" name="TextBox 4"/>
+            <p:cNvSpPr txBox="1"/>
             <p:nvPr/>
           </p:nvSpPr>
           <p:spPr>
@@ -13224,37 +13255,37 @@
             </a:prstGeom>
           </p:spPr>
           <p:txBody>
-            <a:bodyPr anchor="ctr" rtlCol="false" tIns="50800" lIns="50800" bIns="50800" rIns="50800"/>
+            <a:bodyPr lIns="50800" tIns="50800" rIns="50800" bIns="50800" anchor="ctr"/>
             <a:lstStyle/>
             <a:p>
               <a:pPr algn="ctr">
                 <a:lnSpc>
                   <a:spcPts val="2800"/>
                 </a:lnSpc>
+                <a:defRPr/>
               </a:pPr>
+              <a:endParaRPr lang="ko-KR" altLang="en-US"/>
             </a:p>
           </p:txBody>
         </p:sp>
       </p:grpSp>
       <p:sp>
         <p:nvSpPr>
-          <p:cNvPr name="Freeform 5" id="5"/>
+          <p:cNvPr id="5" name="Freeform 5"/>
           <p:cNvSpPr/>
           <p:nvPr/>
         </p:nvSpPr>
         <p:spPr>
-          <a:xfrm flipH="false" flipV="false" rot="0">
+          <a:xfrm>
             <a:off x="1028700" y="1028700"/>
             <a:ext cx="6800870" cy="5189553"/>
           </a:xfrm>
           <a:custGeom>
             <a:avLst/>
             <a:gdLst/>
-            <a:ahLst/>
-            <a:cxnLst/>
-            <a:rect r="r" b="b" t="t" l="l"/>
+            <a:rect l="l" t="t" r="r" b="b"/>
             <a:pathLst>
-              <a:path h="5189553" w="6800870">
+              <a:path w="6800870" h="5189553">
                 <a:moveTo>
                   <a:pt x="0" y="0"/>
                 </a:moveTo>
@@ -13274,33 +13305,40 @@
               </a:path>
             </a:pathLst>
           </a:custGeom>
-          <a:blipFill>
+          <a:blipFill rotWithShape="1">
             <a:blip r:embed="rId2"/>
             <a:stretch>
-              <a:fillRect l="0" t="0" r="0" b="0"/>
+              <a:fillRect/>
             </a:stretch>
           </a:blipFill>
         </p:spPr>
-      </p:sp>
-      <p:sp>
-        <p:nvSpPr>
-          <p:cNvPr name="Freeform 6" id="6"/>
+        <p:txBody>
+          <a:bodyPr anchor="ctr"/>
+          <a:p>
+            <a:pPr algn="ctr">
+              <a:defRPr/>
+            </a:pPr>
+            <a:endParaRPr lang="ko-KR" altLang="en-US"/>
+          </a:p>
+        </p:txBody>
+      </p:sp>
+      <p:sp>
+        <p:nvSpPr>
+          <p:cNvPr id="6" name="Freeform 6"/>
           <p:cNvSpPr/>
           <p:nvPr/>
         </p:nvSpPr>
         <p:spPr>
-          <a:xfrm flipH="false" flipV="false" rot="0">
+          <a:xfrm>
             <a:off x="1028700" y="6815613"/>
             <a:ext cx="11301259" cy="1073620"/>
           </a:xfrm>
           <a:custGeom>
             <a:avLst/>
             <a:gdLst/>
-            <a:ahLst/>
-            <a:cxnLst/>
-            <a:rect r="r" b="b" t="t" l="l"/>
+            <a:rect l="l" t="t" r="r" b="b"/>
             <a:pathLst>
-              <a:path h="1073620" w="11301259">
+              <a:path w="11301259" h="1073620">
                 <a:moveTo>
                   <a:pt x="0" y="0"/>
                 </a:moveTo>
@@ -13320,33 +13358,40 @@
               </a:path>
             </a:pathLst>
           </a:custGeom>
-          <a:blipFill>
+          <a:blipFill rotWithShape="1">
             <a:blip r:embed="rId3"/>
             <a:stretch>
-              <a:fillRect l="0" t="0" r="0" b="0"/>
+              <a:fillRect/>
             </a:stretch>
           </a:blipFill>
         </p:spPr>
-      </p:sp>
-      <p:sp>
-        <p:nvSpPr>
-          <p:cNvPr name="Freeform 7" id="7"/>
+        <p:txBody>
+          <a:bodyPr anchor="ctr"/>
+          <a:p>
+            <a:pPr algn="ctr">
+              <a:defRPr/>
+            </a:pPr>
+            <a:endParaRPr lang="ko-KR" altLang="en-US"/>
+          </a:p>
+        </p:txBody>
+      </p:sp>
+      <p:sp>
+        <p:nvSpPr>
+          <p:cNvPr id="7" name="Freeform 7"/>
           <p:cNvSpPr/>
           <p:nvPr/>
         </p:nvSpPr>
         <p:spPr>
-          <a:xfrm flipH="false" flipV="false" rot="0">
+          <a:xfrm>
             <a:off x="1028700" y="8043415"/>
             <a:ext cx="11301259" cy="1214885"/>
           </a:xfrm>
           <a:custGeom>
             <a:avLst/>
             <a:gdLst/>
-            <a:ahLst/>
-            <a:cxnLst/>
-            <a:rect r="r" b="b" t="t" l="l"/>
+            <a:rect l="l" t="t" r="r" b="b"/>
             <a:pathLst>
-              <a:path h="1214885" w="11301259">
+              <a:path w="11301259" h="1214885">
                 <a:moveTo>
                   <a:pt x="0" y="0"/>
                 </a:moveTo>
@@ -13366,22 +13411,31 @@
               </a:path>
             </a:pathLst>
           </a:custGeom>
-          <a:blipFill>
+          <a:blipFill rotWithShape="1">
             <a:blip r:embed="rId4"/>
             <a:stretch>
-              <a:fillRect l="0" t="0" r="0" b="0"/>
+              <a:fillRect/>
             </a:stretch>
           </a:blipFill>
         </p:spPr>
-      </p:sp>
-      <p:sp>
-        <p:nvSpPr>
-          <p:cNvPr name="TextBox 8" id="8"/>
-          <p:cNvSpPr txBox="true"/>
-          <p:nvPr/>
-        </p:nvSpPr>
-        <p:spPr>
-          <a:xfrm rot="0">
+        <p:txBody>
+          <a:bodyPr anchor="ctr"/>
+          <a:p>
+            <a:pPr algn="ctr">
+              <a:defRPr/>
+            </a:pPr>
+            <a:endParaRPr lang="ko-KR" altLang="en-US"/>
+          </a:p>
+        </p:txBody>
+      </p:sp>
+      <p:sp>
+        <p:nvSpPr>
+          <p:cNvPr id="8" name="TextBox 8"/>
+          <p:cNvSpPr txBox="1"/>
+          <p:nvPr/>
+        </p:nvSpPr>
+        <p:spPr>
+          <a:xfrm>
             <a:off x="9480092" y="857250"/>
             <a:ext cx="7629299" cy="1387474"/>
           </a:xfrm>
@@ -13390,7 +13444,7 @@
           </a:prstGeom>
         </p:spPr>
         <p:txBody>
-          <a:bodyPr anchor="t" rtlCol="false" tIns="0" lIns="0" bIns="0" rIns="0">
+          <a:bodyPr lIns="0" tIns="0" rIns="0" bIns="0" anchor="t">
             <a:spAutoFit/>
           </a:bodyPr>
           <a:lstStyle/>
@@ -13399,9 +13453,10 @@
               <a:lnSpc>
                 <a:spcPts val="11200"/>
               </a:lnSpc>
-            </a:pPr>
-            <a:r>
-              <a:rPr lang="en-US" sz="8000" b="true">
+              <a:defRPr/>
+            </a:pPr>
+            <a:r>
+              <a:rPr lang="en-US" sz="8000" b="1">
                 <a:solidFill>
                   <a:srgbClr val="000000"/>
                 </a:solidFill>
@@ -13412,17 +13467,26 @@
               </a:rPr>
               <a:t>스팸 문자열 구분</a:t>
             </a:r>
-          </a:p>
-        </p:txBody>
-      </p:sp>
-      <p:sp>
-        <p:nvSpPr>
-          <p:cNvPr name="TextBox 9" id="9"/>
-          <p:cNvSpPr txBox="true"/>
-          <p:nvPr/>
-        </p:nvSpPr>
-        <p:spPr>
-          <a:xfrm rot="0">
+            <a:endParaRPr lang="en-US" sz="8000" b="1">
+              <a:solidFill>
+                <a:srgbClr val="000000"/>
+              </a:solidFill>
+              <a:latin typeface="Nanum Myeongjo Bold"/>
+              <a:ea typeface="Nanum Myeongjo Bold"/>
+              <a:cs typeface="Nanum Myeongjo Bold"/>
+              <a:sym typeface="Nanum Myeongjo Bold"/>
+            </a:endParaRPr>
+          </a:p>
+        </p:txBody>
+      </p:sp>
+      <p:sp>
+        <p:nvSpPr>
+          <p:cNvPr id="9" name="TextBox 9"/>
+          <p:cNvSpPr txBox="1"/>
+          <p:nvPr/>
+        </p:nvSpPr>
+        <p:spPr>
+          <a:xfrm>
             <a:off x="10497723" y="2997313"/>
             <a:ext cx="5594038" cy="332232"/>
           </a:xfrm>
@@ -13431,7 +13495,7 @@
           </a:prstGeom>
         </p:spPr>
         <p:txBody>
-          <a:bodyPr anchor="t" rtlCol="false" tIns="0" lIns="0" bIns="0" rIns="0">
+          <a:bodyPr lIns="0" tIns="0" rIns="0" bIns="0" anchor="t">
             <a:spAutoFit/>
           </a:bodyPr>
           <a:lstStyle/>
@@ -13440,39 +13504,49 @@
               <a:lnSpc>
                 <a:spcPts val="2573"/>
               </a:lnSpc>
-            </a:pPr>
-            <a:r>
-              <a:rPr lang="en-US" b="true" sz="2199" spc="409">
-                <a:solidFill>
-                  <a:srgbClr val="FFFFFF"/>
+              <a:defRPr/>
+            </a:pPr>
+            <a:r>
+              <a:rPr lang="en-US" sz="2199" b="1" spc="409">
+                <a:solidFill>
+                  <a:srgbClr val="ffffff"/>
                 </a:solidFill>
                 <a:latin typeface="Lato Bold"/>
                 <a:ea typeface="Lato Bold"/>
                 <a:cs typeface="Lato Bold"/>
                 <a:sym typeface="Lato Bold"/>
               </a:rPr>
-              <a:t>순환 신경망 모델을 통한 문자열 구분</a:t>
-            </a:r>
-          </a:p>
-        </p:txBody>
-      </p:sp>
-      <p:sp>
-        <p:nvSpPr>
-          <p:cNvPr name="TextBox 10" id="10"/>
-          <p:cNvSpPr txBox="true"/>
-          <p:nvPr/>
-        </p:nvSpPr>
-        <p:spPr>
-          <a:xfrm rot="0">
+              <a:t>신경망 모델을 통한 문자열 구분</a:t>
+            </a:r>
+            <a:endParaRPr lang="en-US" sz="2199" b="1" spc="409">
+              <a:solidFill>
+                <a:srgbClr val="ffffff"/>
+              </a:solidFill>
+              <a:latin typeface="Lato Bold"/>
+              <a:ea typeface="Lato Bold"/>
+              <a:cs typeface="Lato Bold"/>
+              <a:sym typeface="Lato Bold"/>
+            </a:endParaRPr>
+          </a:p>
+        </p:txBody>
+      </p:sp>
+      <p:sp>
+        <p:nvSpPr>
+          <p:cNvPr id="10" name="TextBox 10"/>
+          <p:cNvSpPr txBox="1"/>
+          <p:nvPr/>
+        </p:nvSpPr>
+        <p:spPr>
+          <a:xfrm>
             <a:off x="10497723" y="4200193"/>
-            <a:ext cx="5594038" cy="1001903"/>
+            <a:ext cx="5594038" cy="1972007"/>
           </a:xfrm>
           <a:prstGeom prst="rect">
             <a:avLst/>
           </a:prstGeom>
         </p:spPr>
         <p:txBody>
-          <a:bodyPr anchor="t" rtlCol="false" tIns="0" lIns="0" bIns="0" rIns="0">
+          <a:bodyPr lIns="0" tIns="0" rIns="0" bIns="0" anchor="t">
             <a:spAutoFit/>
           </a:bodyPr>
           <a:lstStyle/>
@@ -13481,6 +13555,7 @@
               <a:lnSpc>
                 <a:spcPts val="2640"/>
               </a:lnSpc>
+              <a:defRPr/>
             </a:pPr>
             <a:r>
               <a:rPr lang="en-US" sz="1899" spc="87">
@@ -13494,12 +13569,22 @@
               </a:rPr>
               <a:t>kaggle과 유튜브 댓글 크롤링을 통해 얻은 </a:t>
             </a:r>
+            <a:endParaRPr lang="en-US" sz="1899" spc="87">
+              <a:solidFill>
+                <a:srgbClr val="000000"/>
+              </a:solidFill>
+              <a:latin typeface="210 디딤고딕 Light"/>
+              <a:ea typeface="210 디딤고딕 Light"/>
+              <a:cs typeface="210 디딤고딕 Light"/>
+              <a:sym typeface="210 디딤고딕 Light"/>
+            </a:endParaRPr>
           </a:p>
           <a:p>
             <a:pPr algn="l">
               <a:lnSpc>
                 <a:spcPts val="2640"/>
               </a:lnSpc>
+              <a:defRPr/>
             </a:pPr>
             <a:r>
               <a:rPr lang="en-US" sz="1899" spc="87">
@@ -13513,12 +13598,22 @@
               </a:rPr>
               <a:t>영어, 한국어 문자열 데이터셋을 통한 스팸 문자</a:t>
             </a:r>
+            <a:endParaRPr lang="en-US" sz="1899" spc="87">
+              <a:solidFill>
+                <a:srgbClr val="000000"/>
+              </a:solidFill>
+              <a:latin typeface="210 디딤고딕 Light"/>
+              <a:ea typeface="210 디딤고딕 Light"/>
+              <a:cs typeface="210 디딤고딕 Light"/>
+              <a:sym typeface="210 디딤고딕 Light"/>
+            </a:endParaRPr>
           </a:p>
           <a:p>
             <a:pPr algn="l">
               <a:lnSpc>
                 <a:spcPts val="2640"/>
               </a:lnSpc>
+              <a:defRPr/>
             </a:pPr>
             <a:r>
               <a:rPr lang="en-US" sz="1899" spc="87">
@@ -13532,17 +13627,161 @@
               </a:rPr>
               <a:t>구분 신경망 모델을 기획</a:t>
             </a:r>
-          </a:p>
-        </p:txBody>
-      </p:sp>
-      <p:sp>
-        <p:nvSpPr>
-          <p:cNvPr name="TextBox 11" id="11"/>
-          <p:cNvSpPr txBox="true"/>
-          <p:nvPr/>
-        </p:nvSpPr>
-        <p:spPr>
-          <a:xfrm rot="0">
+            <a:endParaRPr lang="en-US" sz="1899" spc="87">
+              <a:solidFill>
+                <a:srgbClr val="000000"/>
+              </a:solidFill>
+              <a:latin typeface="210 디딤고딕 Light"/>
+              <a:ea typeface="210 디딤고딕 Light"/>
+              <a:cs typeface="210 디딤고딕 Light"/>
+              <a:sym typeface="210 디딤고딕 Light"/>
+            </a:endParaRPr>
+          </a:p>
+          <a:p>
+            <a:pPr algn="l">
+              <a:lnSpc>
+                <a:spcPts val="2640"/>
+              </a:lnSpc>
+              <a:defRPr/>
+            </a:pPr>
+            <a:endParaRPr lang="en-US" sz="1899" spc="87">
+              <a:solidFill>
+                <a:srgbClr val="000000"/>
+              </a:solidFill>
+              <a:latin typeface="210 디딤고딕 Light"/>
+              <a:ea typeface="210 디딤고딕 Light"/>
+              <a:cs typeface="210 디딤고딕 Light"/>
+              <a:sym typeface="210 디딤고딕 Light"/>
+            </a:endParaRPr>
+          </a:p>
+          <a:p>
+            <a:pPr algn="l">
+              <a:lnSpc>
+                <a:spcPts val="2640"/>
+              </a:lnSpc>
+              <a:defRPr/>
+            </a:pPr>
+            <a:r>
+              <a:rPr lang="ko-KR" altLang="en-US" sz="1899" spc="87">
+                <a:solidFill>
+                  <a:srgbClr val="000000"/>
+                </a:solidFill>
+                <a:latin typeface="210 디딤고딕 Light"/>
+                <a:ea typeface="210 디딤고딕 Light"/>
+                <a:cs typeface="210 디딤고딕 Light"/>
+                <a:sym typeface="210 디딤고딕 Light"/>
+              </a:rPr>
+              <a:t>신경망 모델로는 순환신경망</a:t>
+            </a:r>
+            <a:r>
+              <a:rPr lang="en-US" altLang="ko-KR" sz="1899" spc="87">
+                <a:solidFill>
+                  <a:srgbClr val="000000"/>
+                </a:solidFill>
+                <a:latin typeface="210 디딤고딕 Light"/>
+                <a:ea typeface="210 디딤고딕 Light"/>
+                <a:cs typeface="210 디딤고딕 Light"/>
+                <a:sym typeface="210 디딤고딕 Light"/>
+              </a:rPr>
+              <a:t> </a:t>
+            </a:r>
+            <a:r>
+              <a:rPr lang="ko-KR" altLang="en-US" sz="1899" spc="87">
+                <a:solidFill>
+                  <a:srgbClr val="000000"/>
+                </a:solidFill>
+                <a:latin typeface="210 디딤고딕 Light"/>
+                <a:ea typeface="210 디딤고딕 Light"/>
+                <a:cs typeface="210 디딤고딕 Light"/>
+                <a:sym typeface="210 디딤고딕 Light"/>
+              </a:rPr>
+              <a:t>모델 </a:t>
+            </a:r>
+            <a:r>
+              <a:rPr lang="en-US" altLang="ko-KR" sz="1899" spc="87">
+                <a:solidFill>
+                  <a:srgbClr val="000000"/>
+                </a:solidFill>
+                <a:latin typeface="210 디딤고딕 Light"/>
+                <a:ea typeface="210 디딤고딕 Light"/>
+                <a:cs typeface="210 디딤고딕 Light"/>
+                <a:sym typeface="210 디딤고딕 Light"/>
+              </a:rPr>
+              <a:t>LSTM, GRU</a:t>
+            </a:r>
+            <a:endParaRPr lang="en-US" altLang="ko-KR" sz="1899" spc="87">
+              <a:solidFill>
+                <a:srgbClr val="000000"/>
+              </a:solidFill>
+              <a:latin typeface="210 디딤고딕 Light"/>
+              <a:ea typeface="210 디딤고딕 Light"/>
+              <a:cs typeface="210 디딤고딕 Light"/>
+              <a:sym typeface="210 디딤고딕 Light"/>
+            </a:endParaRPr>
+          </a:p>
+          <a:p>
+            <a:pPr algn="l">
+              <a:lnSpc>
+                <a:spcPts val="2640"/>
+              </a:lnSpc>
+              <a:defRPr/>
+            </a:pPr>
+            <a:r>
+              <a:rPr lang="ko-KR" altLang="en-US" sz="1899" spc="87">
+                <a:solidFill>
+                  <a:srgbClr val="000000"/>
+                </a:solidFill>
+                <a:latin typeface="210 디딤고딕 Light"/>
+                <a:ea typeface="210 디딤고딕 Light"/>
+                <a:cs typeface="210 디딤고딕 Light"/>
+                <a:sym typeface="210 디딤고딕 Light"/>
+              </a:rPr>
+              <a:t>트팬스포머 모델 </a:t>
+            </a:r>
+            <a:r>
+              <a:rPr lang="en-US" altLang="ko-KR" sz="1899" spc="87">
+                <a:solidFill>
+                  <a:srgbClr val="000000"/>
+                </a:solidFill>
+                <a:latin typeface="210 디딤고딕 Light"/>
+                <a:ea typeface="210 디딤고딕 Light"/>
+                <a:cs typeface="210 디딤고딕 Light"/>
+                <a:sym typeface="210 디딤고딕 Light"/>
+              </a:rPr>
+              <a:t>KcELECTRA</a:t>
+            </a:r>
+            <a:r>
+              <a:rPr lang="ko-KR" altLang="en-US" sz="1899" spc="87">
+                <a:solidFill>
+                  <a:srgbClr val="000000"/>
+                </a:solidFill>
+                <a:latin typeface="210 디딤고딕 Light"/>
+                <a:ea typeface="210 디딤고딕 Light"/>
+                <a:cs typeface="210 디딤고딕 Light"/>
+                <a:sym typeface="210 디딤고딕 Light"/>
+              </a:rPr>
+              <a:t>를 사용함</a:t>
+            </a:r>
+            <a:endParaRPr lang="ko-KR" altLang="en-US" sz="1899" spc="87">
+              <a:solidFill>
+                <a:srgbClr val="000000"/>
+              </a:solidFill>
+              <a:latin typeface="210 디딤고딕 Light"/>
+              <a:ea typeface="210 디딤고딕 Light"/>
+              <a:cs typeface="210 디딤고딕 Light"/>
+              <a:sym typeface="210 디딤고딕 Light"/>
+            </a:endParaRPr>
+          </a:p>
+        </p:txBody>
+      </p:sp>
+      <p:sp>
+        <p:nvSpPr>
+          <p:cNvPr id="11" name="TextBox 11"/>
+          <p:cNvSpPr txBox="1"/>
+          <p:nvPr/>
+        </p:nvSpPr>
+        <p:spPr>
+          <a:xfrm>
             <a:off x="11177988" y="9201150"/>
             <a:ext cx="6081312" cy="358775"/>
           </a:xfrm>
@@ -13551,7 +13790,7 @@
           </a:prstGeom>
         </p:spPr>
         <p:txBody>
-          <a:bodyPr anchor="t" rtlCol="false" tIns="0" lIns="0" bIns="0" rIns="0">
+          <a:bodyPr lIns="0" tIns="0" rIns="0" bIns="0" anchor="t">
             <a:spAutoFit/>
           </a:bodyPr>
           <a:lstStyle/>
@@ -13560,12 +13799,13 @@
               <a:lnSpc>
                 <a:spcPts val="2800"/>
               </a:lnSpc>
+              <a:defRPr/>
             </a:pPr>
             <a:r>
               <a:rPr lang="en-US" sz="2000">
                 <a:solidFill>
-                  <a:srgbClr val="FFFFFF">
-                    <a:alpha val="29804"/>
+                  <a:srgbClr val="ffffff">
+                    <a:alpha val="29800"/>
                   </a:srgbClr>
                 </a:solidFill>
                 <a:latin typeface="Nanum Myeongjo"/>
@@ -13575,17 +13815,28 @@
               </a:rPr>
               <a:t>Business Plan</a:t>
             </a:r>
-          </a:p>
-        </p:txBody>
-      </p:sp>
-      <p:sp>
-        <p:nvSpPr>
-          <p:cNvPr name="TextBox 12" id="12"/>
-          <p:cNvSpPr txBox="true"/>
-          <p:nvPr/>
-        </p:nvSpPr>
-        <p:spPr>
-          <a:xfrm rot="0">
+            <a:endParaRPr lang="en-US" sz="2000">
+              <a:solidFill>
+                <a:srgbClr val="ffffff">
+                  <a:alpha val="29800"/>
+                </a:srgbClr>
+              </a:solidFill>
+              <a:latin typeface="Nanum Myeongjo"/>
+              <a:ea typeface="Nanum Myeongjo"/>
+              <a:cs typeface="Nanum Myeongjo"/>
+              <a:sym typeface="Nanum Myeongjo"/>
+            </a:endParaRPr>
+          </a:p>
+        </p:txBody>
+      </p:sp>
+      <p:sp>
+        <p:nvSpPr>
+          <p:cNvPr id="12" name="TextBox 12"/>
+          <p:cNvSpPr txBox="1"/>
+          <p:nvPr/>
+        </p:nvSpPr>
+        <p:spPr>
+          <a:xfrm>
             <a:off x="1028700" y="9201150"/>
             <a:ext cx="3854128" cy="358775"/>
           </a:xfrm>
@@ -13594,7 +13845,7 @@
           </a:prstGeom>
         </p:spPr>
         <p:txBody>
-          <a:bodyPr anchor="t" rtlCol="false" tIns="0" lIns="0" bIns="0" rIns="0">
+          <a:bodyPr lIns="0" tIns="0" rIns="0" bIns="0" anchor="t">
             <a:spAutoFit/>
           </a:bodyPr>
           <a:lstStyle/>
@@ -13603,12 +13854,13 @@
               <a:lnSpc>
                 <a:spcPts val="2800"/>
               </a:lnSpc>
+              <a:defRPr/>
             </a:pPr>
             <a:r>
               <a:rPr lang="en-US" sz="2000">
                 <a:solidFill>
-                  <a:srgbClr val="FFFFFF">
-                    <a:alpha val="29804"/>
+                  <a:srgbClr val="ffffff">
+                    <a:alpha val="29800"/>
                   </a:srgbClr>
                 </a:solidFill>
                 <a:latin typeface="Nanum Myeongjo"/>
@@ -13618,17 +13870,28 @@
               </a:rPr>
               <a:t>Company name</a:t>
             </a:r>
-          </a:p>
-        </p:txBody>
-      </p:sp>
-      <p:sp>
-        <p:nvSpPr>
-          <p:cNvPr name="TextBox 13" id="13"/>
-          <p:cNvSpPr txBox="true"/>
-          <p:nvPr/>
-        </p:nvSpPr>
-        <p:spPr>
-          <a:xfrm rot="0">
+            <a:endParaRPr lang="en-US" sz="2000">
+              <a:solidFill>
+                <a:srgbClr val="ffffff">
+                  <a:alpha val="29800"/>
+                </a:srgbClr>
+              </a:solidFill>
+              <a:latin typeface="Nanum Myeongjo"/>
+              <a:ea typeface="Nanum Myeongjo"/>
+              <a:cs typeface="Nanum Myeongjo"/>
+              <a:sym typeface="Nanum Myeongjo"/>
+            </a:endParaRPr>
+          </a:p>
+        </p:txBody>
+      </p:sp>
+      <p:sp>
+        <p:nvSpPr>
+          <p:cNvPr id="13" name="TextBox 13"/>
+          <p:cNvSpPr txBox="1"/>
+          <p:nvPr/>
+        </p:nvSpPr>
+        <p:spPr>
+          <a:xfrm>
             <a:off x="1028700" y="9391650"/>
             <a:ext cx="3854128" cy="358775"/>
           </a:xfrm>
@@ -13637,7 +13900,7 @@
           </a:prstGeom>
         </p:spPr>
         <p:txBody>
-          <a:bodyPr anchor="t" rtlCol="false" tIns="0" lIns="0" bIns="0" rIns="0">
+          <a:bodyPr lIns="0" tIns="0" rIns="0" bIns="0" anchor="t">
             <a:spAutoFit/>
           </a:bodyPr>
           <a:lstStyle/>
@@ -13646,12 +13909,13 @@
               <a:lnSpc>
                 <a:spcPts val="2800"/>
               </a:lnSpc>
+              <a:defRPr/>
             </a:pPr>
             <a:r>
               <a:rPr lang="en-US" sz="2000">
                 <a:solidFill>
-                  <a:srgbClr val="204AA9">
-                    <a:alpha val="29804"/>
+                  <a:srgbClr val="204aa9">
+                    <a:alpha val="29800"/>
                   </a:srgbClr>
                 </a:solidFill>
                 <a:latin typeface="Nanum Myeongjo"/>
@@ -13661,17 +13925,28 @@
               </a:rPr>
               <a:t>한국교통대학교</a:t>
             </a:r>
-          </a:p>
-        </p:txBody>
-      </p:sp>
-      <p:sp>
-        <p:nvSpPr>
-          <p:cNvPr name="TextBox 14" id="14"/>
-          <p:cNvSpPr txBox="true"/>
-          <p:nvPr/>
-        </p:nvSpPr>
-        <p:spPr>
-          <a:xfrm rot="0">
+            <a:endParaRPr lang="en-US" sz="2000">
+              <a:solidFill>
+                <a:srgbClr val="204aa9">
+                  <a:alpha val="29800"/>
+                </a:srgbClr>
+              </a:solidFill>
+              <a:latin typeface="Nanum Myeongjo"/>
+              <a:ea typeface="Nanum Myeongjo"/>
+              <a:cs typeface="Nanum Myeongjo"/>
+              <a:sym typeface="Nanum Myeongjo"/>
+            </a:endParaRPr>
+          </a:p>
+        </p:txBody>
+      </p:sp>
+      <p:sp>
+        <p:nvSpPr>
+          <p:cNvPr id="14" name="TextBox 14"/>
+          <p:cNvSpPr txBox="1"/>
+          <p:nvPr/>
+        </p:nvSpPr>
+        <p:spPr>
+          <a:xfrm>
             <a:off x="11177988" y="9391650"/>
             <a:ext cx="6081312" cy="358775"/>
           </a:xfrm>
@@ -13680,7 +13955,7 @@
           </a:prstGeom>
         </p:spPr>
         <p:txBody>
-          <a:bodyPr anchor="t" rtlCol="false" tIns="0" lIns="0" bIns="0" rIns="0">
+          <a:bodyPr lIns="0" tIns="0" rIns="0" bIns="0" anchor="t">
             <a:spAutoFit/>
           </a:bodyPr>
           <a:lstStyle/>
@@ -13689,12 +13964,13 @@
               <a:lnSpc>
                 <a:spcPts val="2800"/>
               </a:lnSpc>
+              <a:defRPr/>
             </a:pPr>
             <a:r>
               <a:rPr lang="en-US" sz="2000">
                 <a:solidFill>
-                  <a:srgbClr val="204AA9">
-                    <a:alpha val="29804"/>
+                  <a:srgbClr val="204aa9">
+                    <a:alpha val="29800"/>
                   </a:srgbClr>
                 </a:solidFill>
                 <a:latin typeface="Nanum Myeongjo"/>
@@ -13704,6 +13980,17 @@
               </a:rPr>
               <a:t>컴퓨터공학과 데이터과학</a:t>
             </a:r>
+            <a:endParaRPr lang="en-US" sz="2000">
+              <a:solidFill>
+                <a:srgbClr val="204aa9">
+                  <a:alpha val="29800"/>
+                </a:srgbClr>
+              </a:solidFill>
+              <a:latin typeface="Nanum Myeongjo"/>
+              <a:ea typeface="Nanum Myeongjo"/>
+              <a:cs typeface="Nanum Myeongjo"/>
+              <a:sym typeface="Nanum Myeongjo"/>
+            </a:endParaRPr>
           </a:p>
         </p:txBody>
       </p:sp>
@@ -13712,6 +13999,14 @@
   <p:clrMapOvr>
     <a:masterClrMapping/>
   </p:clrMapOvr>
+  <mc:AlternateContent xmlns:mc="http://schemas.openxmlformats.org/markup-compatibility/2006">
+    <mc:Choice xmlns:p14="http://schemas.microsoft.com/office/powerpoint/2010/main" Requires="p14">
+      <p:transition xmlns:mc="http://schemas.openxmlformats.org/markup-compatibility/2006" xmlns:p14="http://schemas.microsoft.com/office/powerpoint/2010/main" mc:Ignorable="p14" p14:dur="500"/>
+    </mc:Choice>
+    <mc:Fallback>
+      <p:transition/>
+    </mc:Fallback>
+  </mc:AlternateContent>
 </p:sld>
 </file>
 
